--- a/proposal/Perancangan_Sistem_Elektronika_2.pptx
+++ b/proposal/Perancangan_Sistem_Elektronika_2.pptx
@@ -22,7 +22,10 @@
     <p:sldId id="283" r:id="rId16"/>
     <p:sldId id="284" r:id="rId17"/>
     <p:sldId id="285" r:id="rId18"/>
-    <p:sldId id="272" r:id="rId19"/>
+    <p:sldId id="286" r:id="rId19"/>
+    <p:sldId id="287" r:id="rId20"/>
+    <p:sldId id="288" r:id="rId21"/>
+    <p:sldId id="272" r:id="rId22"/>
   </p:sldIdLst>
   <p:sldSz cx="12192000" cy="6858000"/>
   <p:notesSz cx="6858000" cy="9144000"/>
@@ -1795,7 +1798,7 @@
           <a:p>
             <a:fld id="{8F72BA41-EC5B-4197-BCC8-0FD2E523CD7A}" type="datetimeFigureOut">
               <a:rPr lang="en-US" smtClean="0"/>
-              <a:t>10/27/2024</a:t>
+              <a:t>11/4/2024</a:t>
             </a:fld>
             <a:endParaRPr lang="en-US"/>
           </a:p>
@@ -1998,7 +2001,7 @@
           <a:p>
             <a:fld id="{8F72BA41-EC5B-4197-BCC8-0FD2E523CD7A}" type="datetimeFigureOut">
               <a:rPr lang="en-US" smtClean="0"/>
-              <a:t>10/27/2024</a:t>
+              <a:t>11/4/2024</a:t>
             </a:fld>
             <a:endParaRPr lang="en-US"/>
           </a:p>
@@ -3719,7 +3722,7 @@
           <a:p>
             <a:fld id="{8F72BA41-EC5B-4197-BCC8-0FD2E523CD7A}" type="datetimeFigureOut">
               <a:rPr lang="en-US" smtClean="0"/>
-              <a:t>10/27/2024</a:t>
+              <a:t>11/4/2024</a:t>
             </a:fld>
             <a:endParaRPr lang="en-US"/>
           </a:p>
@@ -3918,7 +3921,7 @@
           <a:p>
             <a:fld id="{8F72BA41-EC5B-4197-BCC8-0FD2E523CD7A}" type="datetimeFigureOut">
               <a:rPr lang="en-US" smtClean="0"/>
-              <a:t>10/27/2024</a:t>
+              <a:t>11/4/2024</a:t>
             </a:fld>
             <a:endParaRPr lang="en-US"/>
           </a:p>
@@ -5708,7 +5711,7 @@
           <a:p>
             <a:fld id="{8F72BA41-EC5B-4197-BCC8-0FD2E523CD7A}" type="datetimeFigureOut">
               <a:rPr lang="en-US" smtClean="0"/>
-              <a:t>10/27/2024</a:t>
+              <a:t>11/4/2024</a:t>
             </a:fld>
             <a:endParaRPr lang="en-US"/>
           </a:p>
@@ -5981,7 +5984,7 @@
           <a:p>
             <a:fld id="{8F72BA41-EC5B-4197-BCC8-0FD2E523CD7A}" type="datetimeFigureOut">
               <a:rPr lang="en-US" smtClean="0"/>
-              <a:t>10/27/2024</a:t>
+              <a:t>11/4/2024</a:t>
             </a:fld>
             <a:endParaRPr lang="en-US"/>
           </a:p>
@@ -6401,7 +6404,7 @@
           <a:p>
             <a:fld id="{8F72BA41-EC5B-4197-BCC8-0FD2E523CD7A}" type="datetimeFigureOut">
               <a:rPr lang="en-US" smtClean="0"/>
-              <a:t>10/27/2024</a:t>
+              <a:t>11/4/2024</a:t>
             </a:fld>
             <a:endParaRPr lang="en-US"/>
           </a:p>
@@ -6557,7 +6560,7 @@
           <a:p>
             <a:fld id="{8F72BA41-EC5B-4197-BCC8-0FD2E523CD7A}" type="datetimeFigureOut">
               <a:rPr lang="en-US" smtClean="0"/>
-              <a:t>10/27/2024</a:t>
+              <a:t>11/4/2024</a:t>
             </a:fld>
             <a:endParaRPr lang="en-US"/>
           </a:p>
@@ -8125,7 +8128,7 @@
           <a:p>
             <a:fld id="{8F72BA41-EC5B-4197-BCC8-0FD2E523CD7A}" type="datetimeFigureOut">
               <a:rPr lang="en-US" smtClean="0"/>
-              <a:t>10/27/2024</a:t>
+              <a:t>11/4/2024</a:t>
             </a:fld>
             <a:endParaRPr lang="en-US"/>
           </a:p>
@@ -9976,7 +9979,7 @@
           <a:p>
             <a:fld id="{8F72BA41-EC5B-4197-BCC8-0FD2E523CD7A}" type="datetimeFigureOut">
               <a:rPr lang="en-US" smtClean="0"/>
-              <a:t>10/27/2024</a:t>
+              <a:t>11/4/2024</a:t>
             </a:fld>
             <a:endParaRPr lang="en-US"/>
           </a:p>
@@ -11789,7 +11792,7 @@
           <a:p>
             <a:fld id="{8F72BA41-EC5B-4197-BCC8-0FD2E523CD7A}" type="datetimeFigureOut">
               <a:rPr lang="en-US" smtClean="0"/>
-              <a:t>10/27/2024</a:t>
+              <a:t>11/4/2024</a:t>
             </a:fld>
             <a:endParaRPr lang="en-US"/>
           </a:p>
@@ -13483,7 +13486,7 @@
             <a:fld id="{8F72BA41-EC5B-4197-BCC8-0FD2E523CD7A}" type="datetimeFigureOut">
               <a:rPr lang="en-US" smtClean="0"/>
               <a:pPr/>
-              <a:t>10/27/2024</a:t>
+              <a:t>11/4/2024</a:t>
             </a:fld>
             <a:endParaRPr lang="en-US" dirty="0"/>
           </a:p>
@@ -18173,10 +18176,10 @@
       </p:grpSpPr>
       <p:sp>
         <p:nvSpPr>
-          <p:cNvPr id="5" name="Title 4">
+          <p:cNvPr id="2" name="Title 1">
             <a:extLst>
               <a:ext uri="{FF2B5EF4-FFF2-40B4-BE49-F238E27FC236}">
-                <a16:creationId xmlns:a16="http://schemas.microsoft.com/office/drawing/2014/main" id="{74F52FF7-34C9-3819-9EB1-28E308C2A776}"/>
+                <a16:creationId xmlns:a16="http://schemas.microsoft.com/office/drawing/2014/main" id="{22B7D41A-34C7-379B-C3D4-CA29664731DE}"/>
               </a:ext>
             </a:extLst>
           </p:cNvPr>
@@ -18184,40 +18187,229 @@
             <a:spLocks noGrp="1"/>
           </p:cNvSpPr>
           <p:nvPr>
-            <p:ph type="ctrTitle"/>
+            <p:ph type="title"/>
           </p:nvPr>
         </p:nvSpPr>
-        <p:spPr/>
+        <p:spPr>
+          <a:xfrm>
+            <a:off x="328472" y="164580"/>
+            <a:ext cx="10325000" cy="756008"/>
+          </a:xfrm>
+        </p:spPr>
         <p:txBody>
-          <a:bodyPr/>
+          <a:bodyPr>
+            <a:normAutofit fontScale="90000"/>
+          </a:bodyPr>
           <a:lstStyle/>
           <a:p>
             <a:r>
               <a:rPr lang="en-US" dirty="0" err="1"/>
-              <a:t>Sekian</a:t>
+              <a:t>Perancangan</a:t>
             </a:r>
             <a:r>
               <a:rPr lang="en-US" dirty="0"/>
-              <a:t> dan </a:t>
+              <a:t> </a:t>
             </a:r>
             <a:r>
               <a:rPr lang="en-US" dirty="0" err="1"/>
-              <a:t>Terima</a:t>
-            </a:r>
-            <a:r>
-              <a:rPr lang="en-US" dirty="0"/>
-              <a:t> Kasih</a:t>
+              <a:t>Skematik</a:t>
             </a:r>
             <a:endParaRPr lang="en-ID" dirty="0"/>
           </a:p>
         </p:txBody>
       </p:sp>
+      <p:pic>
+        <p:nvPicPr>
+          <p:cNvPr id="5" name="Picture 4">
+            <a:extLst>
+              <a:ext uri="{FF2B5EF4-FFF2-40B4-BE49-F238E27FC236}">
+                <a16:creationId xmlns:a16="http://schemas.microsoft.com/office/drawing/2014/main" id="{0A47CCDE-BF66-7A1B-98D5-52E6E243506D}"/>
+              </a:ext>
+            </a:extLst>
+          </p:cNvPr>
+          <p:cNvPicPr>
+            <a:picLocks noChangeAspect="1"/>
+          </p:cNvPicPr>
+          <p:nvPr/>
+        </p:nvPicPr>
+        <p:blipFill>
+          <a:blip r:embed="rId2"/>
+          <a:stretch>
+            <a:fillRect/>
+          </a:stretch>
+        </p:blipFill>
+        <p:spPr>
+          <a:xfrm>
+            <a:off x="438831" y="1166497"/>
+            <a:ext cx="4667901" cy="4525006"/>
+          </a:xfrm>
+          <a:prstGeom prst="rect">
+            <a:avLst/>
+          </a:prstGeom>
+        </p:spPr>
+      </p:pic>
+      <p:pic>
+        <p:nvPicPr>
+          <p:cNvPr id="7" name="Picture 6">
+            <a:extLst>
+              <a:ext uri="{FF2B5EF4-FFF2-40B4-BE49-F238E27FC236}">
+                <a16:creationId xmlns:a16="http://schemas.microsoft.com/office/drawing/2014/main" id="{B3B96B3E-0F80-30C9-4D41-ABBEDDDB230C}"/>
+              </a:ext>
+            </a:extLst>
+          </p:cNvPr>
+          <p:cNvPicPr>
+            <a:picLocks noChangeAspect="1"/>
+          </p:cNvPicPr>
+          <p:nvPr/>
+        </p:nvPicPr>
+        <p:blipFill>
+          <a:blip r:embed="rId3"/>
+          <a:stretch>
+            <a:fillRect/>
+          </a:stretch>
+        </p:blipFill>
+        <p:spPr>
+          <a:xfrm>
+            <a:off x="5330092" y="1166497"/>
+            <a:ext cx="5540208" cy="1635406"/>
+          </a:xfrm>
+          <a:prstGeom prst="rect">
+            <a:avLst/>
+          </a:prstGeom>
+        </p:spPr>
+      </p:pic>
+      <p:pic>
+        <p:nvPicPr>
+          <p:cNvPr id="9" name="Picture 8">
+            <a:extLst>
+              <a:ext uri="{FF2B5EF4-FFF2-40B4-BE49-F238E27FC236}">
+                <a16:creationId xmlns:a16="http://schemas.microsoft.com/office/drawing/2014/main" id="{C4FFDDA2-EA0B-1A00-8875-23F68CEF1584}"/>
+              </a:ext>
+            </a:extLst>
+          </p:cNvPr>
+          <p:cNvPicPr>
+            <a:picLocks noChangeAspect="1"/>
+          </p:cNvPicPr>
+          <p:nvPr/>
+        </p:nvPicPr>
+        <p:blipFill>
+          <a:blip r:embed="rId4"/>
+          <a:stretch>
+            <a:fillRect/>
+          </a:stretch>
+        </p:blipFill>
+        <p:spPr>
+          <a:xfrm>
+            <a:off x="5330092" y="2962811"/>
+            <a:ext cx="2001150" cy="1516497"/>
+          </a:xfrm>
+          <a:prstGeom prst="rect">
+            <a:avLst/>
+          </a:prstGeom>
+        </p:spPr>
+      </p:pic>
+      <p:pic>
+        <p:nvPicPr>
+          <p:cNvPr id="11" name="Picture 10">
+            <a:extLst>
+              <a:ext uri="{FF2B5EF4-FFF2-40B4-BE49-F238E27FC236}">
+                <a16:creationId xmlns:a16="http://schemas.microsoft.com/office/drawing/2014/main" id="{22B2F9AE-7F9A-00BF-38D1-4624CC27C0A9}"/>
+              </a:ext>
+            </a:extLst>
+          </p:cNvPr>
+          <p:cNvPicPr>
+            <a:picLocks noChangeAspect="1"/>
+          </p:cNvPicPr>
+          <p:nvPr/>
+        </p:nvPicPr>
+        <p:blipFill>
+          <a:blip r:embed="rId5"/>
+          <a:stretch>
+            <a:fillRect/>
+          </a:stretch>
+        </p:blipFill>
+        <p:spPr>
+          <a:xfrm>
+            <a:off x="7554602" y="2910863"/>
+            <a:ext cx="1717735" cy="1704048"/>
+          </a:xfrm>
+          <a:prstGeom prst="rect">
+            <a:avLst/>
+          </a:prstGeom>
+        </p:spPr>
+      </p:pic>
+      <p:pic>
+        <p:nvPicPr>
+          <p:cNvPr id="13" name="Picture 12">
+            <a:extLst>
+              <a:ext uri="{FF2B5EF4-FFF2-40B4-BE49-F238E27FC236}">
+                <a16:creationId xmlns:a16="http://schemas.microsoft.com/office/drawing/2014/main" id="{3A8A5322-E42C-C41F-66B7-6FFD00553D92}"/>
+              </a:ext>
+            </a:extLst>
+          </p:cNvPr>
+          <p:cNvPicPr>
+            <a:picLocks noChangeAspect="1"/>
+          </p:cNvPicPr>
+          <p:nvPr/>
+        </p:nvPicPr>
+        <p:blipFill>
+          <a:blip r:embed="rId6"/>
+          <a:stretch>
+            <a:fillRect/>
+          </a:stretch>
+        </p:blipFill>
+        <p:spPr>
+          <a:xfrm>
+            <a:off x="5330092" y="4640216"/>
+            <a:ext cx="4972744" cy="2000529"/>
+          </a:xfrm>
+          <a:prstGeom prst="rect">
+            <a:avLst/>
+          </a:prstGeom>
+        </p:spPr>
+      </p:pic>
+    </p:spTree>
+    <p:extLst>
+      <p:ext uri="{BB962C8B-B14F-4D97-AF65-F5344CB8AC3E}">
+        <p14:creationId xmlns:p14="http://schemas.microsoft.com/office/powerpoint/2010/main" val="2405662442"/>
+      </p:ext>
+    </p:extLst>
+  </p:cSld>
+  <p:clrMapOvr>
+    <a:masterClrMapping/>
+  </p:clrMapOvr>
+</p:sld>
+</file>
+
+<file path=ppt/slides/slide19.xml><?xml version="1.0" encoding="utf-8"?>
+<p:sld xmlns:a="http://schemas.openxmlformats.org/drawingml/2006/main" xmlns:r="http://schemas.openxmlformats.org/officeDocument/2006/relationships" xmlns:p="http://schemas.openxmlformats.org/presentationml/2006/main">
+  <p:cSld>
+    <p:spTree>
+      <p:nvGrpSpPr>
+        <p:cNvPr id="1" name="">
+          <a:extLst>
+            <a:ext uri="{FF2B5EF4-FFF2-40B4-BE49-F238E27FC236}">
+              <a16:creationId xmlns:a16="http://schemas.microsoft.com/office/drawing/2014/main" id="{57A1A7B6-9088-A6A6-5D99-731A4A119574}"/>
+            </a:ext>
+          </a:extLst>
+        </p:cNvPr>
+        <p:cNvGrpSpPr/>
+        <p:nvPr/>
+      </p:nvGrpSpPr>
+      <p:grpSpPr>
+        <a:xfrm>
+          <a:off x="0" y="0"/>
+          <a:ext cx="0" cy="0"/>
+          <a:chOff x="0" y="0"/>
+          <a:chExt cx="0" cy="0"/>
+        </a:xfrm>
+      </p:grpSpPr>
       <p:sp>
         <p:nvSpPr>
-          <p:cNvPr id="6" name="Subtitle 5">
+          <p:cNvPr id="2" name="Title 1">
             <a:extLst>
               <a:ext uri="{FF2B5EF4-FFF2-40B4-BE49-F238E27FC236}">
-                <a16:creationId xmlns:a16="http://schemas.microsoft.com/office/drawing/2014/main" id="{63EF00FD-72E2-B09D-9214-4529AD22D57F}"/>
+                <a16:creationId xmlns:a16="http://schemas.microsoft.com/office/drawing/2014/main" id="{13527EBA-4F25-9C74-4467-1BC03C5E0F4E}"/>
               </a:ext>
             </a:extLst>
           </p:cNvPr>
@@ -18225,22 +18417,101 @@
             <a:spLocks noGrp="1"/>
           </p:cNvSpPr>
           <p:nvPr>
-            <p:ph type="subTitle" idx="1"/>
+            <p:ph type="title"/>
           </p:nvPr>
         </p:nvSpPr>
-        <p:spPr/>
+        <p:spPr>
+          <a:xfrm>
+            <a:off x="328472" y="164580"/>
+            <a:ext cx="10325000" cy="756008"/>
+          </a:xfrm>
+        </p:spPr>
         <p:txBody>
-          <a:bodyPr/>
+          <a:bodyPr>
+            <a:normAutofit fontScale="90000"/>
+          </a:bodyPr>
           <a:lstStyle/>
           <a:p>
-            <a:endParaRPr lang="en-ID"/>
+            <a:r>
+              <a:rPr lang="en-US" dirty="0" err="1"/>
+              <a:t>Perancangan</a:t>
+            </a:r>
+            <a:r>
+              <a:rPr lang="en-US" dirty="0"/>
+              <a:t> </a:t>
+            </a:r>
+            <a:r>
+              <a:rPr lang="en-US" dirty="0" err="1"/>
+              <a:t>Skematik</a:t>
+            </a:r>
+            <a:endParaRPr lang="en-ID" dirty="0"/>
           </a:p>
         </p:txBody>
       </p:sp>
+      <p:pic>
+        <p:nvPicPr>
+          <p:cNvPr id="4" name="Picture 3">
+            <a:extLst>
+              <a:ext uri="{FF2B5EF4-FFF2-40B4-BE49-F238E27FC236}">
+                <a16:creationId xmlns:a16="http://schemas.microsoft.com/office/drawing/2014/main" id="{42F69C6E-135C-40DC-5A86-4AB34826D754}"/>
+              </a:ext>
+            </a:extLst>
+          </p:cNvPr>
+          <p:cNvPicPr>
+            <a:picLocks noChangeAspect="1"/>
+          </p:cNvPicPr>
+          <p:nvPr/>
+        </p:nvPicPr>
+        <p:blipFill>
+          <a:blip r:embed="rId2"/>
+          <a:stretch>
+            <a:fillRect/>
+          </a:stretch>
+        </p:blipFill>
+        <p:spPr>
+          <a:xfrm>
+            <a:off x="328472" y="1695208"/>
+            <a:ext cx="3667637" cy="3467584"/>
+          </a:xfrm>
+          <a:prstGeom prst="rect">
+            <a:avLst/>
+          </a:prstGeom>
+        </p:spPr>
+      </p:pic>
+      <p:pic>
+        <p:nvPicPr>
+          <p:cNvPr id="8" name="Picture 7">
+            <a:extLst>
+              <a:ext uri="{FF2B5EF4-FFF2-40B4-BE49-F238E27FC236}">
+                <a16:creationId xmlns:a16="http://schemas.microsoft.com/office/drawing/2014/main" id="{E2880143-6C55-3120-798B-2F277DA9513F}"/>
+              </a:ext>
+            </a:extLst>
+          </p:cNvPr>
+          <p:cNvPicPr>
+            <a:picLocks noChangeAspect="1"/>
+          </p:cNvPicPr>
+          <p:nvPr/>
+        </p:nvPicPr>
+        <p:blipFill>
+          <a:blip r:embed="rId3"/>
+          <a:stretch>
+            <a:fillRect/>
+          </a:stretch>
+        </p:blipFill>
+        <p:spPr>
+          <a:xfrm>
+            <a:off x="4369897" y="1951419"/>
+            <a:ext cx="4639322" cy="3191320"/>
+          </a:xfrm>
+          <a:prstGeom prst="rect">
+            <a:avLst/>
+          </a:prstGeom>
+        </p:spPr>
+      </p:pic>
     </p:spTree>
     <p:extLst>
       <p:ext uri="{BB962C8B-B14F-4D97-AF65-F5344CB8AC3E}">
-        <p14:creationId xmlns:p14="http://schemas.microsoft.com/office/powerpoint/2010/main" val="1201043565"/>
+        <p14:creationId xmlns:p14="http://schemas.microsoft.com/office/powerpoint/2010/main" val="157973336"/>
       </p:ext>
     </p:extLst>
   </p:cSld>
@@ -19321,6 +19592,306 @@
     <p:extLst>
       <p:ext uri="{BB962C8B-B14F-4D97-AF65-F5344CB8AC3E}">
         <p14:creationId xmlns:p14="http://schemas.microsoft.com/office/powerpoint/2010/main" val="3387258474"/>
+      </p:ext>
+    </p:extLst>
+  </p:cSld>
+  <p:clrMapOvr>
+    <a:masterClrMapping/>
+  </p:clrMapOvr>
+</p:sld>
+</file>
+
+<file path=ppt/slides/slide20.xml><?xml version="1.0" encoding="utf-8"?>
+<p:sld xmlns:a="http://schemas.openxmlformats.org/drawingml/2006/main" xmlns:r="http://schemas.openxmlformats.org/officeDocument/2006/relationships" xmlns:p="http://schemas.openxmlformats.org/presentationml/2006/main">
+  <p:cSld>
+    <p:spTree>
+      <p:nvGrpSpPr>
+        <p:cNvPr id="1" name=""/>
+        <p:cNvGrpSpPr/>
+        <p:nvPr/>
+      </p:nvGrpSpPr>
+      <p:grpSpPr>
+        <a:xfrm>
+          <a:off x="0" y="0"/>
+          <a:ext cx="0" cy="0"/>
+          <a:chOff x="0" y="0"/>
+          <a:chExt cx="0" cy="0"/>
+        </a:xfrm>
+      </p:grpSpPr>
+      <p:sp>
+        <p:nvSpPr>
+          <p:cNvPr id="2" name="Title 1">
+            <a:extLst>
+              <a:ext uri="{FF2B5EF4-FFF2-40B4-BE49-F238E27FC236}">
+                <a16:creationId xmlns:a16="http://schemas.microsoft.com/office/drawing/2014/main" id="{D98557B7-A3CF-87BC-0044-13F76D26F34C}"/>
+              </a:ext>
+            </a:extLst>
+          </p:cNvPr>
+          <p:cNvSpPr>
+            <a:spLocks noGrp="1"/>
+          </p:cNvSpPr>
+          <p:nvPr>
+            <p:ph type="title"/>
+          </p:nvPr>
+        </p:nvSpPr>
+        <p:spPr/>
+        <p:txBody>
+          <a:bodyPr/>
+          <a:lstStyle/>
+          <a:p>
+            <a:r>
+              <a:rPr lang="en-US" dirty="0"/>
+              <a:t>Additional Progress	</a:t>
+            </a:r>
+            <a:br>
+              <a:rPr lang="en-US" dirty="0"/>
+            </a:br>
+            <a:endParaRPr lang="en-ID" dirty="0"/>
+          </a:p>
+        </p:txBody>
+      </p:sp>
+      <p:sp>
+        <p:nvSpPr>
+          <p:cNvPr id="3" name="Content Placeholder 2">
+            <a:extLst>
+              <a:ext uri="{FF2B5EF4-FFF2-40B4-BE49-F238E27FC236}">
+                <a16:creationId xmlns:a16="http://schemas.microsoft.com/office/drawing/2014/main" id="{F0EB2C8C-C9C1-BF7A-B4EA-7B5B9E8AA197}"/>
+              </a:ext>
+            </a:extLst>
+          </p:cNvPr>
+          <p:cNvSpPr>
+            <a:spLocks noGrp="1"/>
+          </p:cNvSpPr>
+          <p:nvPr>
+            <p:ph idx="1"/>
+          </p:nvPr>
+        </p:nvSpPr>
+        <p:spPr/>
+        <p:txBody>
+          <a:bodyPr/>
+          <a:lstStyle/>
+          <a:p>
+            <a:r>
+              <a:rPr lang="en-US" dirty="0"/>
+              <a:t>Buy components</a:t>
+            </a:r>
+          </a:p>
+          <a:p>
+            <a:r>
+              <a:rPr lang="en-US" dirty="0"/>
+              <a:t>Testing </a:t>
+            </a:r>
+            <a:r>
+              <a:rPr lang="en-US" dirty="0" err="1"/>
+              <a:t>WiFi</a:t>
+            </a:r>
+            <a:r>
+              <a:rPr lang="en-US" dirty="0"/>
+              <a:t> packet sniffing</a:t>
+            </a:r>
+          </a:p>
+          <a:p>
+            <a:r>
+              <a:rPr lang="en-US" dirty="0"/>
+              <a:t>Testing NFC</a:t>
+            </a:r>
+          </a:p>
+        </p:txBody>
+      </p:sp>
+      <p:pic>
+        <p:nvPicPr>
+          <p:cNvPr id="1026" name="Picture 2" descr="RF Antenna Connector, SMD, IPX, IPEX, U.LF, MHF [5345] : Sunrom Electronics">
+            <a:extLst>
+              <a:ext uri="{FF2B5EF4-FFF2-40B4-BE49-F238E27FC236}">
+                <a16:creationId xmlns:a16="http://schemas.microsoft.com/office/drawing/2014/main" id="{9130EA5D-23E1-609C-06AE-012AD534225B}"/>
+              </a:ext>
+            </a:extLst>
+          </p:cNvPr>
+          <p:cNvPicPr>
+            <a:picLocks noChangeAspect="1" noChangeArrowheads="1"/>
+          </p:cNvPicPr>
+          <p:nvPr/>
+        </p:nvPicPr>
+        <p:blipFill>
+          <a:blip r:embed="rId2">
+            <a:extLst>
+              <a:ext uri="{28A0092B-C50C-407E-A947-70E740481C1C}">
+                <a14:useLocalDpi xmlns:a14="http://schemas.microsoft.com/office/drawing/2010/main" val="0"/>
+              </a:ext>
+            </a:extLst>
+          </a:blip>
+          <a:srcRect/>
+          <a:stretch>
+            <a:fillRect/>
+          </a:stretch>
+        </p:blipFill>
+        <p:spPr bwMode="auto">
+          <a:xfrm>
+            <a:off x="8295358" y="912268"/>
+            <a:ext cx="3347452" cy="2510589"/>
+          </a:xfrm>
+          <a:prstGeom prst="rect">
+            <a:avLst/>
+          </a:prstGeom>
+          <a:noFill/>
+          <a:extLst>
+            <a:ext uri="{909E8E84-426E-40DD-AFC4-6F175D3DCCD1}">
+              <a14:hiddenFill xmlns:a14="http://schemas.microsoft.com/office/drawing/2010/main">
+                <a:solidFill>
+                  <a:srgbClr val="FFFFFF"/>
+                </a:solidFill>
+              </a14:hiddenFill>
+            </a:ext>
+          </a:extLst>
+        </p:spPr>
+      </p:pic>
+      <p:pic>
+        <p:nvPicPr>
+          <p:cNvPr id="1028" name="Picture 4" descr="U.FL Antennas">
+            <a:extLst>
+              <a:ext uri="{FF2B5EF4-FFF2-40B4-BE49-F238E27FC236}">
+                <a16:creationId xmlns:a16="http://schemas.microsoft.com/office/drawing/2014/main" id="{16283702-8D5D-8C38-4ABF-23842D3D2785}"/>
+              </a:ext>
+            </a:extLst>
+          </p:cNvPr>
+          <p:cNvPicPr>
+            <a:picLocks noChangeAspect="1" noChangeArrowheads="1"/>
+          </p:cNvPicPr>
+          <p:nvPr/>
+        </p:nvPicPr>
+        <p:blipFill>
+          <a:blip r:embed="rId3">
+            <a:extLst>
+              <a:ext uri="{28A0092B-C50C-407E-A947-70E740481C1C}">
+                <a14:useLocalDpi xmlns:a14="http://schemas.microsoft.com/office/drawing/2010/main" val="0"/>
+              </a:ext>
+            </a:extLst>
+          </a:blip>
+          <a:srcRect/>
+          <a:stretch>
+            <a:fillRect/>
+          </a:stretch>
+        </p:blipFill>
+        <p:spPr bwMode="auto">
+          <a:xfrm>
+            <a:off x="8534422" y="3609174"/>
+            <a:ext cx="2869324" cy="2869324"/>
+          </a:xfrm>
+          <a:prstGeom prst="rect">
+            <a:avLst/>
+          </a:prstGeom>
+          <a:noFill/>
+          <a:extLst>
+            <a:ext uri="{909E8E84-426E-40DD-AFC4-6F175D3DCCD1}">
+              <a14:hiddenFill xmlns:a14="http://schemas.microsoft.com/office/drawing/2010/main">
+                <a:solidFill>
+                  <a:srgbClr val="FFFFFF"/>
+                </a:solidFill>
+              </a14:hiddenFill>
+            </a:ext>
+          </a:extLst>
+        </p:spPr>
+      </p:pic>
+    </p:spTree>
+    <p:extLst>
+      <p:ext uri="{BB962C8B-B14F-4D97-AF65-F5344CB8AC3E}">
+        <p14:creationId xmlns:p14="http://schemas.microsoft.com/office/powerpoint/2010/main" val="924696857"/>
+      </p:ext>
+    </p:extLst>
+  </p:cSld>
+  <p:clrMapOvr>
+    <a:masterClrMapping/>
+  </p:clrMapOvr>
+</p:sld>
+</file>
+
+<file path=ppt/slides/slide21.xml><?xml version="1.0" encoding="utf-8"?>
+<p:sld xmlns:a="http://schemas.openxmlformats.org/drawingml/2006/main" xmlns:r="http://schemas.openxmlformats.org/officeDocument/2006/relationships" xmlns:p="http://schemas.openxmlformats.org/presentationml/2006/main">
+  <p:cSld>
+    <p:spTree>
+      <p:nvGrpSpPr>
+        <p:cNvPr id="1" name=""/>
+        <p:cNvGrpSpPr/>
+        <p:nvPr/>
+      </p:nvGrpSpPr>
+      <p:grpSpPr>
+        <a:xfrm>
+          <a:off x="0" y="0"/>
+          <a:ext cx="0" cy="0"/>
+          <a:chOff x="0" y="0"/>
+          <a:chExt cx="0" cy="0"/>
+        </a:xfrm>
+      </p:grpSpPr>
+      <p:sp>
+        <p:nvSpPr>
+          <p:cNvPr id="5" name="Title 4">
+            <a:extLst>
+              <a:ext uri="{FF2B5EF4-FFF2-40B4-BE49-F238E27FC236}">
+                <a16:creationId xmlns:a16="http://schemas.microsoft.com/office/drawing/2014/main" id="{74F52FF7-34C9-3819-9EB1-28E308C2A776}"/>
+              </a:ext>
+            </a:extLst>
+          </p:cNvPr>
+          <p:cNvSpPr>
+            <a:spLocks noGrp="1"/>
+          </p:cNvSpPr>
+          <p:nvPr>
+            <p:ph type="ctrTitle"/>
+          </p:nvPr>
+        </p:nvSpPr>
+        <p:spPr/>
+        <p:txBody>
+          <a:bodyPr/>
+          <a:lstStyle/>
+          <a:p>
+            <a:r>
+              <a:rPr lang="en-US" dirty="0" err="1"/>
+              <a:t>Sekian</a:t>
+            </a:r>
+            <a:r>
+              <a:rPr lang="en-US" dirty="0"/>
+              <a:t> dan </a:t>
+            </a:r>
+            <a:r>
+              <a:rPr lang="en-US" dirty="0" err="1"/>
+              <a:t>Terima</a:t>
+            </a:r>
+            <a:r>
+              <a:rPr lang="en-US" dirty="0"/>
+              <a:t> Kasih</a:t>
+            </a:r>
+            <a:endParaRPr lang="en-ID" dirty="0"/>
+          </a:p>
+        </p:txBody>
+      </p:sp>
+      <p:sp>
+        <p:nvSpPr>
+          <p:cNvPr id="6" name="Subtitle 5">
+            <a:extLst>
+              <a:ext uri="{FF2B5EF4-FFF2-40B4-BE49-F238E27FC236}">
+                <a16:creationId xmlns:a16="http://schemas.microsoft.com/office/drawing/2014/main" id="{63EF00FD-72E2-B09D-9214-4529AD22D57F}"/>
+              </a:ext>
+            </a:extLst>
+          </p:cNvPr>
+          <p:cNvSpPr>
+            <a:spLocks noGrp="1"/>
+          </p:cNvSpPr>
+          <p:nvPr>
+            <p:ph type="subTitle" idx="1"/>
+          </p:nvPr>
+        </p:nvSpPr>
+        <p:spPr/>
+        <p:txBody>
+          <a:bodyPr/>
+          <a:lstStyle/>
+          <a:p>
+            <a:endParaRPr lang="en-ID"/>
+          </a:p>
+        </p:txBody>
+      </p:sp>
+    </p:spTree>
+    <p:extLst>
+      <p:ext uri="{BB962C8B-B14F-4D97-AF65-F5344CB8AC3E}">
+        <p14:creationId xmlns:p14="http://schemas.microsoft.com/office/powerpoint/2010/main" val="1201043565"/>
       </p:ext>
     </p:extLst>
   </p:cSld>
